--- a/Code Titans - National Level Start-Up Hackathon 2022-template (1) (2).pptx
+++ b/Code Titans - National Level Start-Up Hackathon 2022-template (1) (2).pptx
@@ -22,14 +22,14 @@
   <p:notesSz cx="6858000" cy="9144000"/>
   <p:embeddedFontLst>
     <p:embeddedFont>
-      <p:font typeface="Lato" panose="020B0604020202020204" charset="0"/>
+      <p:font typeface="Lato" panose="020B0604020202020204" pitchFamily="34" charset="0"/>
       <p:regular r:id="rId12"/>
       <p:bold r:id="rId13"/>
       <p:italic r:id="rId14"/>
       <p:boldItalic r:id="rId15"/>
     </p:embeddedFont>
     <p:embeddedFont>
-      <p:font typeface="Lato Black" panose="020B0604020202020204" charset="0"/>
+      <p:font typeface="Lato Black" panose="020F0502020204030203" pitchFamily="34" charset="0"/>
       <p:bold r:id="rId16"/>
       <p:boldItalic r:id="rId17"/>
     </p:embeddedFont>
@@ -1973,7 +1973,7 @@
           <a:blip r:embed="rId4">
             <a:extLst>
               <a:ext uri="{96DAC541-7B7A-43D3-8B79-37D633B846F1}">
-                <asvg:svgBlip xmlns:asvg="http://schemas.microsoft.com/office/drawing/2016/SVG/main" xmlns="" r:embed="rId5"/>
+                <asvg:svgBlip xmlns:asvg="http://schemas.microsoft.com/office/drawing/2016/SVG/main" r:embed="rId5"/>
               </a:ext>
             </a:extLst>
           </a:blip>
@@ -9064,7 +9064,7 @@
           <a:blip r:embed="rId2">
             <a:extLst>
               <a:ext uri="{96DAC541-7B7A-43D3-8B79-37D633B846F1}">
-                <asvg:svgBlip xmlns:asvg="http://schemas.microsoft.com/office/drawing/2016/SVG/main" xmlns="" r:embed="rId3"/>
+                <asvg:svgBlip xmlns:asvg="http://schemas.microsoft.com/office/drawing/2016/SVG/main" r:embed="rId3"/>
               </a:ext>
             </a:extLst>
           </a:blip>
@@ -15828,7 +15828,7 @@
               <a:buNone/>
             </a:pPr>
             <a:r>
-              <a:rPr lang="en-IN" sz="3600" dirty="0" smtClean="0"/>
+              <a:rPr lang="en-IN" sz="3600" dirty="0"/>
               <a:t>Ed-Zoe</a:t>
             </a:r>
             <a:endParaRPr sz="3600" dirty="0"/>
@@ -15869,20 +15869,8 @@
               </a:spcAft>
             </a:pPr>
             <a:r>
-              <a:rPr lang="en" sz="1300" dirty="0" smtClean="0"/>
-              <a:t>Skill Gap, Medium of Instruction, accessibility to employers is a </a:t>
-            </a:r>
-            <a:r>
               <a:rPr lang="en" sz="1300" dirty="0"/>
-              <a:t>key problem for </a:t>
-            </a:r>
-            <a:r>
-              <a:rPr lang="en" sz="1300" dirty="0" smtClean="0"/>
-              <a:t>rural Job </a:t>
-            </a:r>
-            <a:r>
-              <a:rPr lang="en" sz="1300" dirty="0"/>
-              <a:t>Seekers </a:t>
+              <a:t>Skill Gap, Medium of Instruction, accessibility to employers is a key problem for rural Job Seekers </a:t>
             </a:r>
             <a:endParaRPr sz="1300" dirty="0"/>
           </a:p>
@@ -15990,7 +15978,7 @@
               <a:buNone/>
             </a:pPr>
             <a:r>
-              <a:rPr lang="en" dirty="0">
+              <a:rPr lang="en" b="1" dirty="0">
                 <a:solidFill>
                   <a:srgbClr val="222222"/>
                 </a:solidFill>
@@ -16002,22 +15990,7 @@
                 <a:cs typeface="Lato"/>
                 <a:sym typeface="Lato"/>
               </a:rPr>
-              <a:t>Why did you decide to solve this Problem statement</a:t>
-            </a:r>
-            <a:r>
-              <a:rPr lang="en" dirty="0" smtClean="0">
-                <a:solidFill>
-                  <a:srgbClr val="222222"/>
-                </a:solidFill>
-                <a:highlight>
-                  <a:srgbClr val="FFFFFF"/>
-                </a:highlight>
-                <a:latin typeface="Lato"/>
-                <a:ea typeface="Lato"/>
-                <a:cs typeface="Lato"/>
-                <a:sym typeface="Lato"/>
-              </a:rPr>
-              <a:t>?</a:t>
+              <a:t>Why did you decide to solve this Problem statement?</a:t>
             </a:r>
           </a:p>
           <a:p>
@@ -16052,79 +16025,7 @@
                 <a:cs typeface="Lato"/>
                 <a:sym typeface="Lato"/>
               </a:rPr>
-              <a:t>Most of the existing </a:t>
-            </a:r>
-            <a:r>
-              <a:rPr lang="en-US" dirty="0" smtClean="0">
-                <a:latin typeface="Lato"/>
-                <a:ea typeface="Lato"/>
-                <a:cs typeface="Lato"/>
-                <a:sym typeface="Lato"/>
-              </a:rPr>
-              <a:t>online upskilling </a:t>
-            </a:r>
-            <a:r>
-              <a:rPr lang="en-US" dirty="0">
-                <a:latin typeface="Lato"/>
-                <a:ea typeface="Lato"/>
-                <a:cs typeface="Lato"/>
-                <a:sym typeface="Lato"/>
-              </a:rPr>
-              <a:t>platforms only </a:t>
-            </a:r>
-            <a:r>
-              <a:rPr lang="en-US" dirty="0" smtClean="0">
-                <a:latin typeface="Lato"/>
-                <a:ea typeface="Lato"/>
-                <a:cs typeface="Lato"/>
-                <a:sym typeface="Lato"/>
-              </a:rPr>
-              <a:t>had professional courses and only in English clearly </a:t>
-            </a:r>
-            <a:r>
-              <a:rPr lang="en-US" dirty="0">
-                <a:latin typeface="Lato"/>
-                <a:ea typeface="Lato"/>
-                <a:cs typeface="Lato"/>
-                <a:sym typeface="Lato"/>
-              </a:rPr>
-              <a:t>didn't </a:t>
-            </a:r>
-            <a:r>
-              <a:rPr lang="en-US" dirty="0" smtClean="0">
-                <a:latin typeface="Lato"/>
-                <a:ea typeface="Lato"/>
-                <a:cs typeface="Lato"/>
-                <a:sym typeface="Lato"/>
-              </a:rPr>
-              <a:t>support any rural Job seekers to find a proper employment opportunities. </a:t>
-            </a:r>
-            <a:r>
-              <a:rPr lang="en-US" dirty="0">
-                <a:latin typeface="Lato"/>
-                <a:ea typeface="Lato"/>
-                <a:cs typeface="Lato"/>
-                <a:sym typeface="Lato"/>
-              </a:rPr>
-              <a:t>The local spaces available to up </a:t>
-            </a:r>
-            <a:r>
-              <a:rPr lang="en-US" dirty="0" smtClean="0">
-                <a:latin typeface="Lato"/>
-                <a:ea typeface="Lato"/>
-                <a:cs typeface="Lato"/>
-                <a:sym typeface="Lato"/>
-              </a:rPr>
-              <a:t>skill courses </a:t>
-            </a:r>
-            <a:r>
-              <a:rPr lang="en-US" dirty="0">
-                <a:latin typeface="Lato"/>
-                <a:ea typeface="Lato"/>
-                <a:cs typeface="Lato"/>
-                <a:sym typeface="Lato"/>
-              </a:rPr>
-              <a:t>are expensive and still don't provide Job assistance which is a huge gap.</a:t>
+              <a:t>Most of the existing online upskilling platforms only had professional courses and only in English clearly didn't support any rural Job seekers to find a proper employment opportunities. The local spaces available to up skill courses are expensive and still don't provide Job assistance which is a huge gap. </a:t>
             </a:r>
             <a:endParaRPr dirty="0">
               <a:latin typeface="Lato"/>
@@ -16247,7 +16148,7 @@
               <a:buNone/>
             </a:pPr>
             <a:r>
-              <a:rPr lang="en" dirty="0">
+              <a:rPr lang="en" b="1" dirty="0">
                 <a:solidFill>
                   <a:srgbClr val="222222"/>
                 </a:solidFill>
@@ -16259,22 +16160,7 @@
                 <a:cs typeface="Lato"/>
                 <a:sym typeface="Lato"/>
               </a:rPr>
-              <a:t>Which user /advertiser segment would be early adopter of your product &amp; why</a:t>
-            </a:r>
-            <a:r>
-              <a:rPr lang="en" dirty="0" smtClean="0">
-                <a:solidFill>
-                  <a:srgbClr val="222222"/>
-                </a:solidFill>
-                <a:highlight>
-                  <a:srgbClr val="FFFFFF"/>
-                </a:highlight>
-                <a:latin typeface="Lato"/>
-                <a:ea typeface="Lato"/>
-                <a:cs typeface="Lato"/>
-                <a:sym typeface="Lato"/>
-              </a:rPr>
-              <a:t>?</a:t>
+              <a:t>Which user /advertiser segment would be early adopter of your product &amp; why?</a:t>
             </a:r>
           </a:p>
           <a:p>
@@ -16291,7 +16177,7 @@
               <a:buNone/>
             </a:pPr>
             <a:r>
-              <a:rPr lang="en" dirty="0" smtClean="0">
+              <a:rPr lang="en" dirty="0">
                 <a:solidFill>
                   <a:srgbClr val="222222"/>
                 </a:solidFill>
@@ -16305,18 +16191,6 @@
               </a:rPr>
               <a:t>The pain point of Rural Job seekers is to get direct brand content access, Launguage barrier in upskilling, Recognition from the brands. </a:t>
             </a:r>
-            <a:endParaRPr lang="en" dirty="0" smtClean="0">
-              <a:solidFill>
-                <a:srgbClr val="222222"/>
-              </a:solidFill>
-              <a:highlight>
-                <a:srgbClr val="FFFFFF"/>
-              </a:highlight>
-              <a:latin typeface="Lato"/>
-              <a:ea typeface="Lato"/>
-              <a:cs typeface="Lato"/>
-              <a:sym typeface="Lato"/>
-            </a:endParaRPr>
           </a:p>
           <a:p>
             <a:pPr marL="0" lvl="0" indent="0" algn="l" rtl="0">
@@ -16332,7 +16206,7 @@
               <a:buNone/>
             </a:pPr>
             <a:r>
-              <a:rPr lang="en" dirty="0" smtClean="0">
+              <a:rPr lang="en" dirty="0">
                 <a:solidFill>
                   <a:srgbClr val="222222"/>
                 </a:solidFill>
@@ -16344,7 +16218,7 @@
                 <a:cs typeface="Lato"/>
                 <a:sym typeface="Lato"/>
               </a:rPr>
-              <a:t>Rural Job seekers and Rural Women would be early adopters of our product as they are one in need with nosolution to their exiting problem of Skills and employment.</a:t>
+              <a:t>Rural Job seekers and Rural Women would be early adopters of our product as they are one in need with no proper solution to their exiting problem of Skills and Job access in employment.</a:t>
             </a:r>
             <a:endParaRPr sz="1200" dirty="0">
               <a:latin typeface="Lato"/>
@@ -16430,22 +16304,7 @@
                 <a:cs typeface="Lato"/>
                 <a:sym typeface="Lato"/>
               </a:rPr>
-              <a:t>What are the alternatives/competitive products for the problem you are solving</a:t>
-            </a:r>
-            <a:r>
-              <a:rPr lang="en" dirty="0" smtClean="0">
-                <a:solidFill>
-                  <a:srgbClr val="222222"/>
-                </a:solidFill>
-                <a:highlight>
-                  <a:srgbClr val="FFFFFF"/>
-                </a:highlight>
-                <a:latin typeface="Lato"/>
-                <a:ea typeface="Lato"/>
-                <a:cs typeface="Lato"/>
-                <a:sym typeface="Lato"/>
-              </a:rPr>
-              <a:t>?</a:t>
+              <a:t>What are the alternatives/competitive products for the problem you are solving?</a:t>
             </a:r>
           </a:p>
           <a:p>
@@ -16488,7 +16347,7 @@
               <a:buNone/>
             </a:pPr>
             <a:r>
-              <a:rPr lang="en" dirty="0" smtClean="0">
+              <a:rPr lang="en" b="1" dirty="0">
                 <a:solidFill>
                   <a:srgbClr val="222222"/>
                 </a:solidFill>
@@ -16500,7 +16359,22 @@
                 <a:cs typeface="Lato"/>
                 <a:sym typeface="Lato"/>
               </a:rPr>
-              <a:t>Udemy, Skillshare, Udacity.</a:t>
+              <a:t>Udemy, Skillshare- A</a:t>
+            </a:r>
+            <a:r>
+              <a:rPr lang="en" dirty="0">
+                <a:solidFill>
+                  <a:srgbClr val="222222"/>
+                </a:solidFill>
+                <a:highlight>
+                  <a:srgbClr val="FFFFFF"/>
+                </a:highlight>
+                <a:latin typeface="Lato"/>
+                <a:ea typeface="Lato"/>
+                <a:cs typeface="Lato"/>
+                <a:sym typeface="Lato"/>
+              </a:rPr>
+              <a:t>ll these are marketplaces place but we are not.</a:t>
             </a:r>
             <a:endParaRPr dirty="0">
               <a:latin typeface="Lato"/>
@@ -16655,7 +16529,7 @@
               <a:buNone/>
             </a:pPr>
             <a:r>
-              <a:rPr lang="en" dirty="0">
+              <a:rPr lang="en" b="1" dirty="0">
                 <a:solidFill>
                   <a:srgbClr val="222222"/>
                 </a:solidFill>
@@ -16667,22 +16541,7 @@
                 <a:cs typeface="Lato"/>
                 <a:sym typeface="Lato"/>
               </a:rPr>
-              <a:t>Present your solution, talk about methodology, architecture &amp; </a:t>
-            </a:r>
-            <a:r>
-              <a:rPr lang="en" dirty="0" smtClean="0">
-                <a:solidFill>
-                  <a:srgbClr val="222222"/>
-                </a:solidFill>
-                <a:highlight>
-                  <a:srgbClr val="FFFFFF"/>
-                </a:highlight>
-                <a:latin typeface="Lato"/>
-                <a:ea typeface="Lato"/>
-                <a:cs typeface="Lato"/>
-                <a:sym typeface="Lato"/>
-              </a:rPr>
-              <a:t>scalability</a:t>
+              <a:t>Present your solution, talk about methodology, architecture &amp; scalability</a:t>
             </a:r>
           </a:p>
           <a:p>
@@ -16709,17 +16568,18 @@
             </a:endParaRPr>
           </a:p>
           <a:p>
-            <a:pPr marL="0" lvl="0" indent="0" algn="l" rtl="0">
-              <a:spcBef>
-                <a:spcPts val="0"/>
-              </a:spcBef>
-              <a:spcAft>
-                <a:spcPts val="0"/>
-              </a:spcAft>
-              <a:buNone/>
+            <a:pPr marL="285750" lvl="0" indent="-285750" algn="l" rtl="0">
+              <a:spcBef>
+                <a:spcPts val="0"/>
+              </a:spcBef>
+              <a:spcAft>
+                <a:spcPts val="0"/>
+              </a:spcAft>
+              <a:buFont typeface="Arial" panose="020B0604020202020204" pitchFamily="34" charset="0"/>
+              <a:buChar char="•"/>
             </a:pPr>
             <a:r>
-              <a:rPr lang="en" dirty="0" smtClean="0">
+              <a:rPr lang="en" dirty="0">
                 <a:solidFill>
                   <a:srgbClr val="222222"/>
                 </a:solidFill>
@@ -16731,44 +16591,47 @@
                 <a:cs typeface="Lato"/>
                 <a:sym typeface="Lato"/>
               </a:rPr>
-              <a:t>We  are creating an All in one Platform for Brands as well as Job seekers </a:t>
+              <a:t>We  are creating an “</a:t>
+            </a:r>
+            <a:r>
+              <a:rPr lang="en" b="1" dirty="0">
+                <a:solidFill>
+                  <a:srgbClr val="222222"/>
+                </a:solidFill>
+                <a:highlight>
+                  <a:srgbClr val="FFFFFF"/>
+                </a:highlight>
+                <a:latin typeface="Lato"/>
+                <a:ea typeface="Lato"/>
+                <a:cs typeface="Lato"/>
+                <a:sym typeface="Lato"/>
+              </a:rPr>
+              <a:t>All in one Platform as content aggregators</a:t>
+            </a:r>
+            <a:r>
+              <a:rPr lang="en" dirty="0">
+                <a:solidFill>
+                  <a:srgbClr val="222222"/>
+                </a:solidFill>
+                <a:highlight>
+                  <a:srgbClr val="FFFFFF"/>
+                </a:highlight>
+                <a:latin typeface="Lato"/>
+                <a:ea typeface="Lato"/>
+                <a:cs typeface="Lato"/>
+                <a:sym typeface="Lato"/>
+              </a:rPr>
+              <a:t>” for the Brands to aggregate their training content with us and we make it available in multiple regional languages,  to hire pool of trained candidates on Brand content and recognition to the Jobseekers. </a:t>
             </a:r>
           </a:p>
           <a:p>
-            <a:pPr marL="0" lvl="0" indent="0" algn="l" rtl="0">
-              <a:spcBef>
-                <a:spcPts val="0"/>
-              </a:spcBef>
-              <a:spcAft>
-                <a:spcPts val="0"/>
-              </a:spcAft>
-              <a:buNone/>
-            </a:pPr>
-            <a:r>
-              <a:rPr lang="en" dirty="0" smtClean="0">
-                <a:solidFill>
-                  <a:srgbClr val="222222"/>
-                </a:solidFill>
-                <a:highlight>
-                  <a:srgbClr val="FFFFFF"/>
-                </a:highlight>
-                <a:latin typeface="Lato"/>
-                <a:ea typeface="Lato"/>
-                <a:cs typeface="Lato"/>
-                <a:sym typeface="Lato"/>
-              </a:rPr>
-              <a:t>To Upskill and apply for Jobs in the same Platform and for the companies it’s the pool of trained candidates to hire.</a:t>
-            </a:r>
-          </a:p>
-          <a:p>
-            <a:pPr marL="0" lvl="0" indent="0" algn="l" rtl="0">
-              <a:spcBef>
-                <a:spcPts val="0"/>
-              </a:spcBef>
-              <a:spcAft>
-                <a:spcPts val="0"/>
-              </a:spcAft>
-              <a:buNone/>
+            <a:pPr lvl="0" algn="l" rtl="0">
+              <a:spcBef>
+                <a:spcPts val="0"/>
+              </a:spcBef>
+              <a:spcAft>
+                <a:spcPts val="0"/>
+              </a:spcAft>
             </a:pPr>
             <a:endParaRPr lang="en" dirty="0">
               <a:solidFill>
@@ -16784,17 +16647,18 @@
             </a:endParaRPr>
           </a:p>
           <a:p>
-            <a:pPr marL="0" lvl="0" indent="0" algn="l" rtl="0">
-              <a:spcBef>
-                <a:spcPts val="0"/>
-              </a:spcBef>
-              <a:spcAft>
-                <a:spcPts val="0"/>
-              </a:spcAft>
-              <a:buNone/>
+            <a:pPr marL="285750" lvl="0" indent="-285750" algn="l" rtl="0">
+              <a:spcBef>
+                <a:spcPts val="0"/>
+              </a:spcBef>
+              <a:spcAft>
+                <a:spcPts val="0"/>
+              </a:spcAft>
+              <a:buFont typeface="Arial" panose="020B0604020202020204" pitchFamily="34" charset="0"/>
+              <a:buChar char="•"/>
             </a:pPr>
             <a:r>
-              <a:rPr lang="en" dirty="0" smtClean="0">
+              <a:rPr lang="en" dirty="0">
                 <a:solidFill>
                   <a:srgbClr val="222222"/>
                 </a:solidFill>
@@ -16806,14 +16670,134 @@
                 <a:cs typeface="Lato"/>
                 <a:sym typeface="Lato"/>
               </a:rPr>
-              <a:t>The architecture is the Web Application where we bring Upskilling and Hiring happen easily and quickly.</a:t>
+              <a:t>For the jobseekers to Upskill with brand recognition and apply for Jobs in the same Platform</a:t>
             </a:r>
-            <a:endParaRPr dirty="0">
+          </a:p>
+          <a:p>
+            <a:pPr marL="285750" lvl="0" indent="-285750" algn="l" rtl="0">
+              <a:spcBef>
+                <a:spcPts val="0"/>
+              </a:spcBef>
+              <a:spcAft>
+                <a:spcPts val="0"/>
+              </a:spcAft>
+              <a:buFont typeface="Arial" panose="020B0604020202020204" pitchFamily="34" charset="0"/>
+              <a:buChar char="•"/>
+            </a:pPr>
+            <a:endParaRPr lang="en" dirty="0">
+              <a:solidFill>
+                <a:srgbClr val="222222"/>
+              </a:solidFill>
+              <a:highlight>
+                <a:srgbClr val="FFFFFF"/>
+              </a:highlight>
               <a:latin typeface="Lato"/>
               <a:ea typeface="Lato"/>
               <a:cs typeface="Lato"/>
               <a:sym typeface="Lato"/>
             </a:endParaRPr>
+          </a:p>
+          <a:p>
+            <a:pPr marL="285750" lvl="0" indent="-285750" algn="l" rtl="0">
+              <a:spcBef>
+                <a:spcPts val="0"/>
+              </a:spcBef>
+              <a:spcAft>
+                <a:spcPts val="0"/>
+              </a:spcAft>
+              <a:buFont typeface="Arial" panose="020B0604020202020204" pitchFamily="34" charset="0"/>
+              <a:buChar char="•"/>
+            </a:pPr>
+            <a:endParaRPr lang="en" dirty="0">
+              <a:solidFill>
+                <a:srgbClr val="222222"/>
+              </a:solidFill>
+              <a:highlight>
+                <a:srgbClr val="FFFFFF"/>
+              </a:highlight>
+              <a:latin typeface="Lato"/>
+              <a:ea typeface="Lato"/>
+              <a:cs typeface="Lato"/>
+              <a:sym typeface="Lato"/>
+            </a:endParaRPr>
+          </a:p>
+          <a:p>
+            <a:pPr marL="285750" lvl="0" indent="-285750" algn="l" rtl="0">
+              <a:spcBef>
+                <a:spcPts val="0"/>
+              </a:spcBef>
+              <a:spcAft>
+                <a:spcPts val="0"/>
+              </a:spcAft>
+              <a:buFont typeface="Arial" panose="020B0604020202020204" pitchFamily="34" charset="0"/>
+              <a:buChar char="•"/>
+            </a:pPr>
+            <a:r>
+              <a:rPr lang="en" dirty="0">
+                <a:solidFill>
+                  <a:srgbClr val="222222"/>
+                </a:solidFill>
+                <a:highlight>
+                  <a:srgbClr val="FFFFFF"/>
+                </a:highlight>
+                <a:latin typeface="Lato"/>
+                <a:ea typeface="Lato"/>
+                <a:cs typeface="Lato"/>
+                <a:sym typeface="Lato"/>
+              </a:rPr>
+              <a:t>The architecture is the Web Application where we bring Upskilling and Hiring happen easily and quickly in the same place.</a:t>
+            </a:r>
+          </a:p>
+          <a:p>
+            <a:pPr marL="285750" lvl="0" indent="-285750" algn="l" rtl="0">
+              <a:spcBef>
+                <a:spcPts val="0"/>
+              </a:spcBef>
+              <a:spcAft>
+                <a:spcPts val="0"/>
+              </a:spcAft>
+              <a:buFont typeface="Arial" panose="020B0604020202020204" pitchFamily="34" charset="0"/>
+              <a:buChar char="•"/>
+            </a:pPr>
+            <a:endParaRPr lang="en" dirty="0">
+              <a:solidFill>
+                <a:srgbClr val="222222"/>
+              </a:solidFill>
+              <a:highlight>
+                <a:srgbClr val="FFFFFF"/>
+              </a:highlight>
+              <a:latin typeface="Lato"/>
+              <a:ea typeface="Lato"/>
+              <a:cs typeface="Lato"/>
+              <a:sym typeface="Lato"/>
+            </a:endParaRPr>
+          </a:p>
+          <a:p>
+            <a:pPr marL="285750" lvl="0" indent="-285750" algn="l" rtl="0">
+              <a:spcBef>
+                <a:spcPts val="0"/>
+              </a:spcBef>
+              <a:spcAft>
+                <a:spcPts val="0"/>
+              </a:spcAft>
+              <a:buFont typeface="Arial" panose="020B0604020202020204" pitchFamily="34" charset="0"/>
+              <a:buChar char="•"/>
+            </a:pPr>
+            <a:r>
+              <a:rPr lang="en" dirty="0">
+                <a:solidFill>
+                  <a:srgbClr val="222222"/>
+                </a:solidFill>
+                <a:highlight>
+                  <a:srgbClr val="FFFFFF"/>
+                </a:highlight>
+                <a:latin typeface="Lato"/>
+                <a:ea typeface="Lato"/>
+                <a:cs typeface="Lato"/>
+                <a:sym typeface="Lato"/>
+              </a:rPr>
+              <a:t>The scalability lies on producing strong contents in various domains covering up Highly Skilled, semi skilled jobseekers.</a:t>
+            </a:r>
           </a:p>
           <a:p>
             <a:pPr marL="914400" lvl="0" indent="0" algn="l" rtl="0">
@@ -16955,33 +16939,19 @@
                 <a:cs typeface="Lato"/>
                 <a:sym typeface="Lato"/>
               </a:rPr>
-              <a:t>How is your solution better than alternatives and how do you plan to build adoption</a:t>
-            </a:r>
-            <a:r>
-              <a:rPr lang="en" dirty="0" smtClean="0">
-                <a:solidFill>
-                  <a:srgbClr val="222222"/>
-                </a:solidFill>
-                <a:highlight>
-                  <a:srgbClr val="FFFFFF"/>
-                </a:highlight>
-                <a:latin typeface="Lato"/>
-                <a:ea typeface="Lato"/>
-                <a:cs typeface="Lato"/>
-                <a:sym typeface="Lato"/>
-              </a:rPr>
-              <a:t>?</a:t>
+              <a:t>How is your solution better than alternatives and how do you plan to build adoption?</a:t>
             </a:r>
           </a:p>
           <a:p>
-            <a:pPr marL="0" lvl="0" indent="0" algn="l" rtl="0">
-              <a:spcBef>
-                <a:spcPts val="0"/>
-              </a:spcBef>
-              <a:spcAft>
-                <a:spcPts val="0"/>
-              </a:spcAft>
-              <a:buNone/>
+            <a:pPr marL="285750" lvl="0" indent="-285750" algn="l" rtl="0">
+              <a:spcBef>
+                <a:spcPts val="0"/>
+              </a:spcBef>
+              <a:spcAft>
+                <a:spcPts val="0"/>
+              </a:spcAft>
+              <a:buFont typeface="Arial" panose="020B0604020202020204" pitchFamily="34" charset="0"/>
+              <a:buChar char="•"/>
             </a:pPr>
             <a:endParaRPr lang="en" dirty="0">
               <a:solidFill>
@@ -16997,17 +16967,18 @@
             </a:endParaRPr>
           </a:p>
           <a:p>
-            <a:pPr marL="0" lvl="0" indent="0" algn="l" rtl="0">
-              <a:spcBef>
-                <a:spcPts val="0"/>
-              </a:spcBef>
-              <a:spcAft>
-                <a:spcPts val="0"/>
-              </a:spcAft>
-              <a:buNone/>
+            <a:pPr marL="285750" lvl="0" indent="-285750" algn="l" rtl="0">
+              <a:spcBef>
+                <a:spcPts val="0"/>
+              </a:spcBef>
+              <a:spcAft>
+                <a:spcPts val="0"/>
+              </a:spcAft>
+              <a:buFont typeface="Arial" panose="020B0604020202020204" pitchFamily="34" charset="0"/>
+              <a:buChar char="•"/>
             </a:pPr>
             <a:r>
-              <a:rPr lang="en" dirty="0" smtClean="0">
+              <a:rPr lang="en" dirty="0">
                 <a:solidFill>
                   <a:srgbClr val="222222"/>
                 </a:solidFill>
@@ -17019,7 +16990,58 @@
                 <a:cs typeface="Lato"/>
                 <a:sym typeface="Lato"/>
               </a:rPr>
-              <a:t>Build a Web Application</a:t>
+              <a:t>Our Busines Value proposition is better than alternatives where we make the user experience(Both for Job seekers and the brands) simpler in upskilling as well as recruitment.</a:t>
+            </a:r>
+          </a:p>
+          <a:p>
+            <a:pPr marL="285750" lvl="0" indent="-285750" algn="l" rtl="0">
+              <a:spcBef>
+                <a:spcPts val="0"/>
+              </a:spcBef>
+              <a:spcAft>
+                <a:spcPts val="0"/>
+              </a:spcAft>
+              <a:buFont typeface="Arial" panose="020B0604020202020204" pitchFamily="34" charset="0"/>
+              <a:buChar char="•"/>
+            </a:pPr>
+            <a:endParaRPr lang="en" dirty="0">
+              <a:solidFill>
+                <a:srgbClr val="222222"/>
+              </a:solidFill>
+              <a:highlight>
+                <a:srgbClr val="FFFFFF"/>
+              </a:highlight>
+              <a:latin typeface="Lato"/>
+              <a:ea typeface="Lato"/>
+              <a:cs typeface="Lato"/>
+              <a:sym typeface="Lato"/>
+            </a:endParaRPr>
+          </a:p>
+          <a:p>
+            <a:pPr marL="285750" lvl="0" indent="-285750" algn="l" rtl="0">
+              <a:spcBef>
+                <a:spcPts val="0"/>
+              </a:spcBef>
+              <a:spcAft>
+                <a:spcPts val="0"/>
+              </a:spcAft>
+              <a:buFont typeface="Arial" panose="020B0604020202020204" pitchFamily="34" charset="0"/>
+              <a:buChar char="•"/>
+            </a:pPr>
+            <a:r>
+              <a:rPr lang="en" dirty="0">
+                <a:solidFill>
+                  <a:srgbClr val="222222"/>
+                </a:solidFill>
+                <a:highlight>
+                  <a:srgbClr val="FFFFFF"/>
+                </a:highlight>
+                <a:latin typeface="Lato"/>
+                <a:ea typeface="Lato"/>
+                <a:cs typeface="Lato"/>
+                <a:sym typeface="Lato"/>
+              </a:rPr>
+              <a:t>We are Building a Web Application</a:t>
             </a:r>
             <a:r>
               <a:rPr lang="en" dirty="0">
@@ -17031,21 +17053,9 @@
                 <a:cs typeface="Lato"/>
                 <a:sym typeface="Lato"/>
               </a:rPr>
-              <a:t> </a:t>
+              <a:t> with smooth user experience functionalities</a:t>
             </a:r>
-            <a:r>
-              <a:rPr lang="en" dirty="0" smtClean="0">
-                <a:highlight>
-                  <a:srgbClr val="FFFFFF"/>
-                </a:highlight>
-                <a:latin typeface="Lato"/>
-                <a:ea typeface="Lato"/>
-                <a:cs typeface="Lato"/>
-                <a:sym typeface="Lato"/>
-              </a:rPr>
-              <a:t>with smooth user experience funcyionalities</a:t>
-            </a:r>
-            <a:endParaRPr lang="en" dirty="0" smtClean="0">
+            <a:endParaRPr lang="en" dirty="0">
               <a:solidFill>
                 <a:srgbClr val="222222"/>
               </a:solidFill>
@@ -17162,7 +17172,7 @@
               <a:buNone/>
             </a:pPr>
             <a:r>
-              <a:rPr lang="en" dirty="0">
+              <a:rPr lang="en" b="1" dirty="0">
                 <a:solidFill>
                   <a:srgbClr val="222222"/>
                 </a:solidFill>
@@ -17174,22 +17184,7 @@
                 <a:cs typeface="Lato"/>
                 <a:sym typeface="Lato"/>
               </a:rPr>
-              <a:t>How far it can go</a:t>
-            </a:r>
-            <a:r>
-              <a:rPr lang="en" dirty="0" smtClean="0">
-                <a:solidFill>
-                  <a:srgbClr val="222222"/>
-                </a:solidFill>
-                <a:highlight>
-                  <a:srgbClr val="FFFFFF"/>
-                </a:highlight>
-                <a:latin typeface="Lato"/>
-                <a:ea typeface="Lato"/>
-                <a:cs typeface="Lato"/>
-                <a:sym typeface="Lato"/>
-              </a:rPr>
-              <a:t>?</a:t>
+              <a:t>How far it can go?</a:t>
             </a:r>
           </a:p>
           <a:p>
@@ -17226,7 +17221,7 @@
               <a:buNone/>
             </a:pPr>
             <a:r>
-              <a:rPr lang="en" dirty="0" smtClean="0">
+              <a:rPr lang="en" dirty="0">
                 <a:solidFill>
                   <a:srgbClr val="222222"/>
                 </a:solidFill>
@@ -17238,7 +17233,7 @@
                 <a:cs typeface="Lato"/>
                 <a:sym typeface="Lato"/>
               </a:rPr>
-              <a:t>As a Vision we are aiming to build a web application with Upskilling, Recruitment and product promotion happening in the same platform.  Accessible for rural Job seekers</a:t>
+              <a:t>As a Vision we are aiming to build a web application with Upskilling and Recruitment happen in the same platform easily and quickly accessible for rural Job seekers.</a:t>
             </a:r>
             <a:endParaRPr dirty="0">
               <a:latin typeface="Lato"/>
@@ -17363,22 +17358,7 @@
                 <a:cs typeface="Lato"/>
                 <a:sym typeface="Lato"/>
               </a:rPr>
-              <a:t>Add some humour </a:t>
-            </a:r>
-            <a:r>
-              <a:rPr lang="en" dirty="0" smtClean="0">
-                <a:solidFill>
-                  <a:srgbClr val="222222"/>
-                </a:solidFill>
-                <a:highlight>
-                  <a:srgbClr val="FFFFFF"/>
-                </a:highlight>
-                <a:latin typeface="Lato"/>
-                <a:ea typeface="Lato"/>
-                <a:cs typeface="Lato"/>
-                <a:sym typeface="Lato"/>
-              </a:rPr>
-              <a:t>:)</a:t>
+              <a:t>Add some humour :)</a:t>
             </a:r>
           </a:p>
           <a:p>
@@ -17415,7 +17395,7 @@
               <a:buNone/>
             </a:pPr>
             <a:r>
-              <a:rPr lang="en" dirty="0" smtClean="0">
+              <a:rPr lang="en" dirty="0">
                 <a:solidFill>
                   <a:srgbClr val="222222"/>
                 </a:solidFill>
@@ -17427,7 +17407,7 @@
                 <a:cs typeface="Lato"/>
                 <a:sym typeface="Lato"/>
               </a:rPr>
-              <a:t>We have a huge vision but have started with just only one course with one brand. Lot more to do in few months from now. Staying motivated as well as blank in raising funds  and  form a right team . </a:t>
+              <a:t>We have a huge noble vision but have started with just only one course with one brand. Lot more to do in few months from now. Staying motivated as well as blank in raising funds  and  form up a right team. . </a:t>
             </a:r>
             <a:endParaRPr dirty="0">
               <a:latin typeface="Lato"/>
